--- a/Shapiro 2025 Project/Weekly Updates/Week 1 Update.pptx
+++ b/Shapiro 2025 Project/Weekly Updates/Week 1 Update.pptx
@@ -16771,14 +16771,19 @@
             <p:ph type="title"/>
           </p:nvPr>
         </p:nvSpPr>
-        <p:spPr/>
+        <p:spPr>
+          <a:xfrm>
+            <a:off x="184150" y="285750"/>
+            <a:ext cx="11220450" cy="692149"/>
+          </a:xfrm>
+        </p:spPr>
         <p:txBody>
           <a:bodyPr/>
           <a:lstStyle/>
           <a:p>
             <a:r>
               <a:rPr lang="en-US" dirty="0"/>
-              <a:t>S</a:t>
+              <a:t>Question 1 – Mapping Protein Expression to mRNA expression</a:t>
             </a:r>
           </a:p>
         </p:txBody>
@@ -16799,12 +16804,17 @@
             <p:ph sz="quarter" idx="13"/>
           </p:nvPr>
         </p:nvSpPr>
-        <p:spPr/>
+        <p:spPr>
+          <a:xfrm>
+            <a:off x="1416050" y="1384300"/>
+            <a:ext cx="9937750" cy="4787900"/>
+          </a:xfrm>
+        </p:spPr>
         <p:txBody>
           <a:bodyPr/>
           <a:lstStyle/>
           <a:p>
-            <a:endParaRPr lang="en-US"/>
+            <a:endParaRPr lang="en-US" dirty="0"/>
           </a:p>
         </p:txBody>
       </p:sp>

--- a/Shapiro 2025 Project/Weekly Updates/Week 1 Update.pptx
+++ b/Shapiro 2025 Project/Weekly Updates/Week 1 Update.pptx
@@ -5,7 +5,7 @@
     <p:sldMasterId id="2147483660" r:id="rId1"/>
   </p:sldMasterIdLst>
   <p:notesMasterIdLst>
-    <p:notesMasterId r:id="rId19"/>
+    <p:notesMasterId r:id="rId20"/>
   </p:notesMasterIdLst>
   <p:sldIdLst>
     <p:sldId id="269" r:id="rId2"/>
@@ -14,17 +14,18 @@
     <p:sldId id="270" r:id="rId5"/>
     <p:sldId id="271" r:id="rId6"/>
     <p:sldId id="272" r:id="rId7"/>
-    <p:sldId id="273" r:id="rId8"/>
-    <p:sldId id="274" r:id="rId9"/>
-    <p:sldId id="275" r:id="rId10"/>
-    <p:sldId id="266" r:id="rId11"/>
-    <p:sldId id="257" r:id="rId12"/>
-    <p:sldId id="260" r:id="rId13"/>
-    <p:sldId id="261" r:id="rId14"/>
-    <p:sldId id="258" r:id="rId15"/>
-    <p:sldId id="259" r:id="rId16"/>
-    <p:sldId id="262" r:id="rId17"/>
-    <p:sldId id="267" r:id="rId18"/>
+    <p:sldId id="276" r:id="rId8"/>
+    <p:sldId id="273" r:id="rId9"/>
+    <p:sldId id="274" r:id="rId10"/>
+    <p:sldId id="275" r:id="rId11"/>
+    <p:sldId id="266" r:id="rId12"/>
+    <p:sldId id="257" r:id="rId13"/>
+    <p:sldId id="260" r:id="rId14"/>
+    <p:sldId id="261" r:id="rId15"/>
+    <p:sldId id="258" r:id="rId16"/>
+    <p:sldId id="259" r:id="rId17"/>
+    <p:sldId id="262" r:id="rId18"/>
+    <p:sldId id="267" r:id="rId19"/>
   </p:sldIdLst>
   <p:sldSz cx="12192000" cy="6858000"/>
   <p:notesSz cx="6858000" cy="9144000"/>
@@ -8449,7 +8450,7 @@
           <a:p>
             <a:fld id="{EEE03F8B-A50D-DE44-9304-39C43FB3C5B0}" type="datetimeFigureOut">
               <a:rPr lang="en-US" smtClean="0"/>
-              <a:t>6/3/2025</a:t>
+              <a:t>6/3/25</a:t>
             </a:fld>
             <a:endParaRPr lang="en-US"/>
           </a:p>
@@ -8874,7 +8875,7 @@
     </p:spTree>
     <p:extLst>
       <p:ext uri="{BB962C8B-B14F-4D97-AF65-F5344CB8AC3E}">
-        <p14:creationId xmlns:p14="http://schemas.microsoft.com/office/powerpoint/2010/main" val="1740750286"/>
+        <p14:creationId xmlns:p14="http://schemas.microsoft.com/office/powerpoint/2010/main" val="2093378584"/>
       </p:ext>
     </p:extLst>
   </p:cSld>
@@ -8958,7 +8959,7 @@
     </p:spTree>
     <p:extLst>
       <p:ext uri="{BB962C8B-B14F-4D97-AF65-F5344CB8AC3E}">
-        <p14:creationId xmlns:p14="http://schemas.microsoft.com/office/powerpoint/2010/main" val="3979081959"/>
+        <p14:creationId xmlns:p14="http://schemas.microsoft.com/office/powerpoint/2010/main" val="1740750286"/>
       </p:ext>
     </p:extLst>
   </p:cSld>
@@ -9042,7 +9043,7 @@
     </p:spTree>
     <p:extLst>
       <p:ext uri="{BB962C8B-B14F-4D97-AF65-F5344CB8AC3E}">
-        <p14:creationId xmlns:p14="http://schemas.microsoft.com/office/powerpoint/2010/main" val="3504938725"/>
+        <p14:creationId xmlns:p14="http://schemas.microsoft.com/office/powerpoint/2010/main" val="3979081959"/>
       </p:ext>
     </p:extLst>
   </p:cSld>
@@ -9126,7 +9127,7 @@
     </p:spTree>
     <p:extLst>
       <p:ext uri="{BB962C8B-B14F-4D97-AF65-F5344CB8AC3E}">
-        <p14:creationId xmlns:p14="http://schemas.microsoft.com/office/powerpoint/2010/main" val="1458531031"/>
+        <p14:creationId xmlns:p14="http://schemas.microsoft.com/office/powerpoint/2010/main" val="3504938725"/>
       </p:ext>
     </p:extLst>
   </p:cSld>
@@ -9210,7 +9211,7 @@
     </p:spTree>
     <p:extLst>
       <p:ext uri="{BB962C8B-B14F-4D97-AF65-F5344CB8AC3E}">
-        <p14:creationId xmlns:p14="http://schemas.microsoft.com/office/powerpoint/2010/main" val="2226854007"/>
+        <p14:creationId xmlns:p14="http://schemas.microsoft.com/office/powerpoint/2010/main" val="1458531031"/>
       </p:ext>
     </p:extLst>
   </p:cSld>
@@ -9294,7 +9295,7 @@
     </p:spTree>
     <p:extLst>
       <p:ext uri="{BB962C8B-B14F-4D97-AF65-F5344CB8AC3E}">
-        <p14:creationId xmlns:p14="http://schemas.microsoft.com/office/powerpoint/2010/main" val="207591924"/>
+        <p14:creationId xmlns:p14="http://schemas.microsoft.com/office/powerpoint/2010/main" val="2226854007"/>
       </p:ext>
     </p:extLst>
   </p:cSld>
@@ -9370,6 +9371,90 @@
             <a:fld id="{58151AFC-CD2E-5241-A5F6-3092FE7745F8}" type="slidenum">
               <a:rPr lang="en-US" smtClean="0"/>
               <a:t>17</a:t>
+            </a:fld>
+            <a:endParaRPr lang="en-US"/>
+          </a:p>
+        </p:txBody>
+      </p:sp>
+    </p:spTree>
+    <p:extLst>
+      <p:ext uri="{BB962C8B-B14F-4D97-AF65-F5344CB8AC3E}">
+        <p14:creationId xmlns:p14="http://schemas.microsoft.com/office/powerpoint/2010/main" val="207591924"/>
+      </p:ext>
+    </p:extLst>
+  </p:cSld>
+  <p:clrMapOvr>
+    <a:masterClrMapping/>
+  </p:clrMapOvr>
+</p:notes>
+</file>
+
+<file path=ppt/notesSlides/notesSlide17.xml><?xml version="1.0" encoding="utf-8"?>
+<p:notes xmlns:a="http://schemas.openxmlformats.org/drawingml/2006/main" xmlns:r="http://schemas.openxmlformats.org/officeDocument/2006/relationships" xmlns:p="http://schemas.openxmlformats.org/presentationml/2006/main">
+  <p:cSld>
+    <p:spTree>
+      <p:nvGrpSpPr>
+        <p:cNvPr id="1" name=""/>
+        <p:cNvGrpSpPr/>
+        <p:nvPr/>
+      </p:nvGrpSpPr>
+      <p:grpSpPr>
+        <a:xfrm>
+          <a:off x="0" y="0"/>
+          <a:ext cx="0" cy="0"/>
+          <a:chOff x="0" y="0"/>
+          <a:chExt cx="0" cy="0"/>
+        </a:xfrm>
+      </p:grpSpPr>
+      <p:sp>
+        <p:nvSpPr>
+          <p:cNvPr id="2" name="Slide Image Placeholder 1"/>
+          <p:cNvSpPr>
+            <a:spLocks noGrp="1" noRot="1" noChangeAspect="1"/>
+          </p:cNvSpPr>
+          <p:nvPr>
+            <p:ph type="sldImg"/>
+          </p:nvPr>
+        </p:nvSpPr>
+        <p:spPr/>
+      </p:sp>
+      <p:sp>
+        <p:nvSpPr>
+          <p:cNvPr id="3" name="Notes Placeholder 2"/>
+          <p:cNvSpPr>
+            <a:spLocks noGrp="1"/>
+          </p:cNvSpPr>
+          <p:nvPr>
+            <p:ph type="body" idx="1"/>
+          </p:nvPr>
+        </p:nvSpPr>
+        <p:spPr/>
+        <p:txBody>
+          <a:bodyPr/>
+          <a:lstStyle/>
+          <a:p>
+            <a:endParaRPr lang="en-US"/>
+          </a:p>
+        </p:txBody>
+      </p:sp>
+      <p:sp>
+        <p:nvSpPr>
+          <p:cNvPr id="4" name="Slide Number Placeholder 3"/>
+          <p:cNvSpPr>
+            <a:spLocks noGrp="1"/>
+          </p:cNvSpPr>
+          <p:nvPr>
+            <p:ph type="sldNum" sz="quarter" idx="5"/>
+          </p:nvPr>
+        </p:nvSpPr>
+        <p:spPr/>
+        <p:txBody>
+          <a:bodyPr/>
+          <a:lstStyle/>
+          <a:p>
+            <a:fld id="{58151AFC-CD2E-5241-A5F6-3092FE7745F8}" type="slidenum">
+              <a:rPr lang="en-US" smtClean="0"/>
+              <a:t>18</a:t>
             </a:fld>
             <a:endParaRPr lang="en-US"/>
           </a:p>
@@ -9804,6 +9889,114 @@
         <p:cNvPr id="1" name="">
           <a:extLst>
             <a:ext uri="{FF2B5EF4-FFF2-40B4-BE49-F238E27FC236}">
+              <a16:creationId xmlns:a16="http://schemas.microsoft.com/office/drawing/2014/main" id="{4FD8A7CB-EC2F-6E3F-8E2B-B16B58041DCE}"/>
+            </a:ext>
+          </a:extLst>
+        </p:cNvPr>
+        <p:cNvGrpSpPr/>
+        <p:nvPr/>
+      </p:nvGrpSpPr>
+      <p:grpSpPr>
+        <a:xfrm>
+          <a:off x="0" y="0"/>
+          <a:ext cx="0" cy="0"/>
+          <a:chOff x="0" y="0"/>
+          <a:chExt cx="0" cy="0"/>
+        </a:xfrm>
+      </p:grpSpPr>
+      <p:sp>
+        <p:nvSpPr>
+          <p:cNvPr id="2" name="Slide Image Placeholder 1">
+            <a:extLst>
+              <a:ext uri="{FF2B5EF4-FFF2-40B4-BE49-F238E27FC236}">
+                <a16:creationId xmlns:a16="http://schemas.microsoft.com/office/drawing/2014/main" id="{E20E0F80-8135-7084-036C-98B8C0941328}"/>
+              </a:ext>
+            </a:extLst>
+          </p:cNvPr>
+          <p:cNvSpPr>
+            <a:spLocks noGrp="1" noRot="1" noChangeAspect="1"/>
+          </p:cNvSpPr>
+          <p:nvPr>
+            <p:ph type="sldImg"/>
+          </p:nvPr>
+        </p:nvSpPr>
+        <p:spPr/>
+      </p:sp>
+      <p:sp>
+        <p:nvSpPr>
+          <p:cNvPr id="3" name="Notes Placeholder 2">
+            <a:extLst>
+              <a:ext uri="{FF2B5EF4-FFF2-40B4-BE49-F238E27FC236}">
+                <a16:creationId xmlns:a16="http://schemas.microsoft.com/office/drawing/2014/main" id="{3469B0D3-96C9-BFF1-E163-C0E6F6987451}"/>
+              </a:ext>
+            </a:extLst>
+          </p:cNvPr>
+          <p:cNvSpPr>
+            <a:spLocks noGrp="1"/>
+          </p:cNvSpPr>
+          <p:nvPr>
+            <p:ph type="body" idx="1"/>
+          </p:nvPr>
+        </p:nvSpPr>
+        <p:spPr/>
+        <p:txBody>
+          <a:bodyPr/>
+          <a:lstStyle/>
+          <a:p>
+            <a:endParaRPr lang="en-US"/>
+          </a:p>
+        </p:txBody>
+      </p:sp>
+      <p:sp>
+        <p:nvSpPr>
+          <p:cNvPr id="4" name="Slide Number Placeholder 3">
+            <a:extLst>
+              <a:ext uri="{FF2B5EF4-FFF2-40B4-BE49-F238E27FC236}">
+                <a16:creationId xmlns:a16="http://schemas.microsoft.com/office/drawing/2014/main" id="{E48FFB23-8E6E-B0D6-304B-30CF0F04E763}"/>
+              </a:ext>
+            </a:extLst>
+          </p:cNvPr>
+          <p:cNvSpPr>
+            <a:spLocks noGrp="1"/>
+          </p:cNvSpPr>
+          <p:nvPr>
+            <p:ph type="sldNum" sz="quarter" idx="5"/>
+          </p:nvPr>
+        </p:nvSpPr>
+        <p:spPr/>
+        <p:txBody>
+          <a:bodyPr/>
+          <a:lstStyle/>
+          <a:p>
+            <a:fld id="{58151AFC-CD2E-5241-A5F6-3092FE7745F8}" type="slidenum">
+              <a:rPr lang="en-US" smtClean="0"/>
+              <a:t>7</a:t>
+            </a:fld>
+            <a:endParaRPr lang="en-US"/>
+          </a:p>
+        </p:txBody>
+      </p:sp>
+    </p:spTree>
+    <p:extLst>
+      <p:ext uri="{BB962C8B-B14F-4D97-AF65-F5344CB8AC3E}">
+        <p14:creationId xmlns:p14="http://schemas.microsoft.com/office/powerpoint/2010/main" val="3619089213"/>
+      </p:ext>
+    </p:extLst>
+  </p:cSld>
+  <p:clrMapOvr>
+    <a:masterClrMapping/>
+  </p:clrMapOvr>
+</p:notes>
+</file>
+
+<file path=ppt/notesSlides/notesSlide7.xml><?xml version="1.0" encoding="utf-8"?>
+<p:notes xmlns:a="http://schemas.openxmlformats.org/drawingml/2006/main" xmlns:r="http://schemas.openxmlformats.org/officeDocument/2006/relationships" xmlns:p="http://schemas.openxmlformats.org/presentationml/2006/main">
+  <p:cSld>
+    <p:spTree>
+      <p:nvGrpSpPr>
+        <p:cNvPr id="1" name="">
+          <a:extLst>
+            <a:ext uri="{FF2B5EF4-FFF2-40B4-BE49-F238E27FC236}">
               <a16:creationId xmlns:a16="http://schemas.microsoft.com/office/drawing/2014/main" id="{85CBFF3D-5973-3C48-9419-46FA00B5C73A}"/>
             </a:ext>
           </a:extLst>
@@ -9885,7 +10078,7 @@
           <a:p>
             <a:fld id="{58151AFC-CD2E-5241-A5F6-3092FE7745F8}" type="slidenum">
               <a:rPr lang="en-US" smtClean="0"/>
-              <a:t>7</a:t>
+              <a:t>8</a:t>
             </a:fld>
             <a:endParaRPr lang="en-US"/>
           </a:p>
@@ -9904,7 +10097,7 @@
 </p:notes>
 </file>
 
-<file path=ppt/notesSlides/notesSlide7.xml><?xml version="1.0" encoding="utf-8"?>
+<file path=ppt/notesSlides/notesSlide8.xml><?xml version="1.0" encoding="utf-8"?>
 <p:notes xmlns:a="http://schemas.openxmlformats.org/drawingml/2006/main" xmlns:r="http://schemas.openxmlformats.org/officeDocument/2006/relationships" xmlns:p="http://schemas.openxmlformats.org/presentationml/2006/main">
   <p:cSld>
     <p:spTree>
@@ -9993,7 +10186,7 @@
           <a:p>
             <a:fld id="{58151AFC-CD2E-5241-A5F6-3092FE7745F8}" type="slidenum">
               <a:rPr lang="en-US" smtClean="0"/>
-              <a:t>8</a:t>
+              <a:t>9</a:t>
             </a:fld>
             <a:endParaRPr lang="en-US"/>
           </a:p>
@@ -10012,7 +10205,7 @@
 </p:notes>
 </file>
 
-<file path=ppt/notesSlides/notesSlide8.xml><?xml version="1.0" encoding="utf-8"?>
+<file path=ppt/notesSlides/notesSlide9.xml><?xml version="1.0" encoding="utf-8"?>
 <p:notes xmlns:a="http://schemas.openxmlformats.org/drawingml/2006/main" xmlns:r="http://schemas.openxmlformats.org/officeDocument/2006/relationships" xmlns:p="http://schemas.openxmlformats.org/presentationml/2006/main">
   <p:cSld>
     <p:spTree>
@@ -10101,7 +10294,7 @@
           <a:p>
             <a:fld id="{58151AFC-CD2E-5241-A5F6-3092FE7745F8}" type="slidenum">
               <a:rPr lang="en-US" smtClean="0"/>
-              <a:t>9</a:t>
+              <a:t>10</a:t>
             </a:fld>
             <a:endParaRPr lang="en-US"/>
           </a:p>
@@ -10111,90 +10304,6 @@
     <p:extLst>
       <p:ext uri="{BB962C8B-B14F-4D97-AF65-F5344CB8AC3E}">
         <p14:creationId xmlns:p14="http://schemas.microsoft.com/office/powerpoint/2010/main" val="2542843597"/>
-      </p:ext>
-    </p:extLst>
-  </p:cSld>
-  <p:clrMapOvr>
-    <a:masterClrMapping/>
-  </p:clrMapOvr>
-</p:notes>
-</file>
-
-<file path=ppt/notesSlides/notesSlide9.xml><?xml version="1.0" encoding="utf-8"?>
-<p:notes xmlns:a="http://schemas.openxmlformats.org/drawingml/2006/main" xmlns:r="http://schemas.openxmlformats.org/officeDocument/2006/relationships" xmlns:p="http://schemas.openxmlformats.org/presentationml/2006/main">
-  <p:cSld>
-    <p:spTree>
-      <p:nvGrpSpPr>
-        <p:cNvPr id="1" name=""/>
-        <p:cNvGrpSpPr/>
-        <p:nvPr/>
-      </p:nvGrpSpPr>
-      <p:grpSpPr>
-        <a:xfrm>
-          <a:off x="0" y="0"/>
-          <a:ext cx="0" cy="0"/>
-          <a:chOff x="0" y="0"/>
-          <a:chExt cx="0" cy="0"/>
-        </a:xfrm>
-      </p:grpSpPr>
-      <p:sp>
-        <p:nvSpPr>
-          <p:cNvPr id="2" name="Slide Image Placeholder 1"/>
-          <p:cNvSpPr>
-            <a:spLocks noGrp="1" noRot="1" noChangeAspect="1"/>
-          </p:cNvSpPr>
-          <p:nvPr>
-            <p:ph type="sldImg"/>
-          </p:nvPr>
-        </p:nvSpPr>
-        <p:spPr/>
-      </p:sp>
-      <p:sp>
-        <p:nvSpPr>
-          <p:cNvPr id="3" name="Notes Placeholder 2"/>
-          <p:cNvSpPr>
-            <a:spLocks noGrp="1"/>
-          </p:cNvSpPr>
-          <p:nvPr>
-            <p:ph type="body" idx="1"/>
-          </p:nvPr>
-        </p:nvSpPr>
-        <p:spPr/>
-        <p:txBody>
-          <a:bodyPr/>
-          <a:lstStyle/>
-          <a:p>
-            <a:endParaRPr lang="en-US"/>
-          </a:p>
-        </p:txBody>
-      </p:sp>
-      <p:sp>
-        <p:nvSpPr>
-          <p:cNvPr id="4" name="Slide Number Placeholder 3"/>
-          <p:cNvSpPr>
-            <a:spLocks noGrp="1"/>
-          </p:cNvSpPr>
-          <p:nvPr>
-            <p:ph type="sldNum" sz="quarter" idx="5"/>
-          </p:nvPr>
-        </p:nvSpPr>
-        <p:spPr/>
-        <p:txBody>
-          <a:bodyPr/>
-          <a:lstStyle/>
-          <a:p>
-            <a:fld id="{58151AFC-CD2E-5241-A5F6-3092FE7745F8}" type="slidenum">
-              <a:rPr lang="en-US" smtClean="0"/>
-              <a:t>10</a:t>
-            </a:fld>
-            <a:endParaRPr lang="en-US"/>
-          </a:p>
-        </p:txBody>
-      </p:sp>
-    </p:spTree>
-    <p:extLst>
-      <p:ext uri="{BB962C8B-B14F-4D97-AF65-F5344CB8AC3E}">
-        <p14:creationId xmlns:p14="http://schemas.microsoft.com/office/powerpoint/2010/main" val="2093378584"/>
       </p:ext>
     </p:extLst>
   </p:cSld>
@@ -13597,6 +13706,129 @@
   <p:cSld>
     <p:spTree>
       <p:nvGrpSpPr>
+        <p:cNvPr id="1" name="">
+          <a:extLst>
+            <a:ext uri="{FF2B5EF4-FFF2-40B4-BE49-F238E27FC236}">
+              <a16:creationId xmlns:a16="http://schemas.microsoft.com/office/drawing/2014/main" id="{F5736231-D49F-0FEC-82A9-FA6B759B143A}"/>
+            </a:ext>
+          </a:extLst>
+        </p:cNvPr>
+        <p:cNvGrpSpPr/>
+        <p:nvPr/>
+      </p:nvGrpSpPr>
+      <p:grpSpPr>
+        <a:xfrm>
+          <a:off x="0" y="0"/>
+          <a:ext cx="0" cy="0"/>
+          <a:chOff x="0" y="0"/>
+          <a:chExt cx="0" cy="0"/>
+        </a:xfrm>
+      </p:grpSpPr>
+      <p:sp>
+        <p:nvSpPr>
+          <p:cNvPr id="7" name="Title 6">
+            <a:extLst>
+              <a:ext uri="{FF2B5EF4-FFF2-40B4-BE49-F238E27FC236}">
+                <a16:creationId xmlns:a16="http://schemas.microsoft.com/office/drawing/2014/main" id="{05914314-FAA0-486D-5F43-8F5E8356B8B5}"/>
+              </a:ext>
+            </a:extLst>
+          </p:cNvPr>
+          <p:cNvSpPr>
+            <a:spLocks noGrp="1"/>
+          </p:cNvSpPr>
+          <p:nvPr>
+            <p:ph type="title"/>
+          </p:nvPr>
+        </p:nvSpPr>
+        <p:spPr/>
+        <p:txBody>
+          <a:bodyPr/>
+          <a:lstStyle/>
+          <a:p>
+            <a:r>
+              <a:rPr lang="en-US" dirty="0"/>
+              <a:t>mRNA Expression Cell </a:t>
+            </a:r>
+            <a:r>
+              <a:rPr lang="en-US" dirty="0" err="1"/>
+              <a:t>identifcation</a:t>
+            </a:r>
+            <a:r>
+              <a:rPr lang="en-US"/>
+              <a:t> </a:t>
+            </a:r>
+            <a:endParaRPr lang="en-US" dirty="0"/>
+          </a:p>
+        </p:txBody>
+      </p:sp>
+      <p:sp>
+        <p:nvSpPr>
+          <p:cNvPr id="3" name="Content Placeholder 2">
+            <a:extLst>
+              <a:ext uri="{FF2B5EF4-FFF2-40B4-BE49-F238E27FC236}">
+                <a16:creationId xmlns:a16="http://schemas.microsoft.com/office/drawing/2014/main" id="{ACBE51C5-711E-C3F3-6B7E-0F6C5E483D92}"/>
+              </a:ext>
+            </a:extLst>
+          </p:cNvPr>
+          <p:cNvSpPr>
+            <a:spLocks noGrp="1"/>
+          </p:cNvSpPr>
+          <p:nvPr>
+            <p:ph sz="quarter" idx="13"/>
+          </p:nvPr>
+        </p:nvSpPr>
+        <p:spPr/>
+        <p:txBody>
+          <a:bodyPr/>
+          <a:lstStyle/>
+          <a:p>
+            <a:endParaRPr lang="en-US"/>
+          </a:p>
+        </p:txBody>
+      </p:sp>
+      <p:sp>
+        <p:nvSpPr>
+          <p:cNvPr id="4" name="Text Placeholder 3">
+            <a:extLst>
+              <a:ext uri="{FF2B5EF4-FFF2-40B4-BE49-F238E27FC236}">
+                <a16:creationId xmlns:a16="http://schemas.microsoft.com/office/drawing/2014/main" id="{B525FCAC-D80B-3E8D-5885-BB0628C8D645}"/>
+              </a:ext>
+            </a:extLst>
+          </p:cNvPr>
+          <p:cNvSpPr>
+            <a:spLocks noGrp="1"/>
+          </p:cNvSpPr>
+          <p:nvPr>
+            <p:ph type="body" sz="quarter" idx="14"/>
+          </p:nvPr>
+        </p:nvSpPr>
+        <p:spPr/>
+        <p:txBody>
+          <a:bodyPr/>
+          <a:lstStyle/>
+          <a:p>
+            <a:endParaRPr lang="en-US"/>
+          </a:p>
+        </p:txBody>
+      </p:sp>
+    </p:spTree>
+    <p:extLst>
+      <p:ext uri="{BB962C8B-B14F-4D97-AF65-F5344CB8AC3E}">
+        <p14:creationId xmlns:p14="http://schemas.microsoft.com/office/powerpoint/2010/main" val="1540447724"/>
+      </p:ext>
+    </p:extLst>
+  </p:cSld>
+  <p:clrMapOvr>
+    <a:masterClrMapping/>
+  </p:clrMapOvr>
+</p:sld>
+</file>
+
+<file path=ppt/slides/slide11.xml><?xml version="1.0" encoding="utf-8"?>
+<p:sld xmlns:a="http://schemas.openxmlformats.org/drawingml/2006/main" xmlns:r="http://schemas.openxmlformats.org/officeDocument/2006/relationships" xmlns:p="http://schemas.openxmlformats.org/presentationml/2006/main">
+  <p:cSld>
+    <p:spTree>
+      <p:nvGrpSpPr>
         <p:cNvPr id="1" name=""/>
         <p:cNvGrpSpPr/>
         <p:nvPr/>
@@ -13647,7 +13879,7 @@
 </p:sld>
 </file>
 
-<file path=ppt/slides/slide11.xml><?xml version="1.0" encoding="utf-8"?>
+<file path=ppt/slides/slide12.xml><?xml version="1.0" encoding="utf-8"?>
 <p:sld xmlns:a="http://schemas.openxmlformats.org/drawingml/2006/main" xmlns:r="http://schemas.openxmlformats.org/officeDocument/2006/relationships" xmlns:p="http://schemas.openxmlformats.org/presentationml/2006/main">
   <p:cSld>
     <p:spTree>
@@ -13733,7 +13965,7 @@
 </p:sld>
 </file>
 
-<file path=ppt/slides/slide12.xml><?xml version="1.0" encoding="utf-8"?>
+<file path=ppt/slides/slide13.xml><?xml version="1.0" encoding="utf-8"?>
 <p:sld xmlns:a="http://schemas.openxmlformats.org/drawingml/2006/main" xmlns:r="http://schemas.openxmlformats.org/officeDocument/2006/relationships" xmlns:p="http://schemas.openxmlformats.org/presentationml/2006/main">
   <p:cSld>
     <p:spTree>
@@ -13819,7 +14051,7 @@
 </p:sld>
 </file>
 
-<file path=ppt/slides/slide13.xml><?xml version="1.0" encoding="utf-8"?>
+<file path=ppt/slides/slide14.xml><?xml version="1.0" encoding="utf-8"?>
 <p:sld xmlns:a="http://schemas.openxmlformats.org/drawingml/2006/main" xmlns:r="http://schemas.openxmlformats.org/officeDocument/2006/relationships" xmlns:p="http://schemas.openxmlformats.org/presentationml/2006/main">
   <p:cSld>
     <p:spTree>
@@ -13905,7 +14137,7 @@
 </p:sld>
 </file>
 
-<file path=ppt/slides/slide14.xml><?xml version="1.0" encoding="utf-8"?>
+<file path=ppt/slides/slide15.xml><?xml version="1.0" encoding="utf-8"?>
 <p:sld xmlns:a="http://schemas.openxmlformats.org/drawingml/2006/main" xmlns:r="http://schemas.openxmlformats.org/officeDocument/2006/relationships" xmlns:p="http://schemas.openxmlformats.org/presentationml/2006/main">
   <p:cSld>
     <p:spTree>
@@ -13991,7 +14223,7 @@
 </p:sld>
 </file>
 
-<file path=ppt/slides/slide15.xml><?xml version="1.0" encoding="utf-8"?>
+<file path=ppt/slides/slide16.xml><?xml version="1.0" encoding="utf-8"?>
 <p:sld xmlns:a="http://schemas.openxmlformats.org/drawingml/2006/main" xmlns:r="http://schemas.openxmlformats.org/officeDocument/2006/relationships" xmlns:p="http://schemas.openxmlformats.org/presentationml/2006/main">
   <p:cSld>
     <p:spTree>
@@ -14077,7 +14309,7 @@
 </p:sld>
 </file>
 
-<file path=ppt/slides/slide16.xml><?xml version="1.0" encoding="utf-8"?>
+<file path=ppt/slides/slide17.xml><?xml version="1.0" encoding="utf-8"?>
 <p:sld xmlns:a="http://schemas.openxmlformats.org/drawingml/2006/main" xmlns:r="http://schemas.openxmlformats.org/officeDocument/2006/relationships" xmlns:p="http://schemas.openxmlformats.org/presentationml/2006/main">
   <p:cSld>
     <p:spTree>
@@ -16161,7 +16393,7 @@
 </p:sld>
 </file>
 
-<file path=ppt/slides/slide17.xml><?xml version="1.0" encoding="utf-8"?>
+<file path=ppt/slides/slide18.xml><?xml version="1.0" encoding="utf-8"?>
 <p:sld xmlns:a="http://schemas.openxmlformats.org/drawingml/2006/main" xmlns:r="http://schemas.openxmlformats.org/officeDocument/2006/relationships" xmlns:p="http://schemas.openxmlformats.org/presentationml/2006/main">
   <p:cSld>
     <p:spTree>
@@ -16530,8 +16762,8 @@
         </p:nvSpPr>
         <p:spPr>
           <a:xfrm>
-            <a:off x="1524000" y="1524000"/>
-            <a:ext cx="9829800" cy="2005677"/>
+            <a:off x="457200" y="1649538"/>
+            <a:ext cx="7168587" cy="3558923"/>
           </a:xfrm>
         </p:spPr>
         <p:txBody>
@@ -16572,6 +16804,45 @@
             <a:r>
               <a:rPr lang="en-US" dirty="0"/>
               <a:t>Cell identification</a:t>
+            </a:r>
+          </a:p>
+          <a:p>
+            <a:r>
+              <a:rPr lang="en-US" dirty="0" err="1"/>
+              <a:t>AnnData</a:t>
+            </a:r>
+            <a:r>
+              <a:rPr lang="en-US" dirty="0"/>
+              <a:t> and Seurat Object interconversion</a:t>
+            </a:r>
+          </a:p>
+          <a:p>
+            <a:pPr lvl="1"/>
+            <a:r>
+              <a:rPr lang="en-US" dirty="0"/>
+              <a:t>Normal functions do not work for imaging data</a:t>
+            </a:r>
+          </a:p>
+          <a:p>
+            <a:pPr lvl="1"/>
+            <a:r>
+              <a:rPr lang="en-US" dirty="0"/>
+              <a:t>Wrote R code to export data as CSV</a:t>
+            </a:r>
+          </a:p>
+          <a:p>
+            <a:pPr lvl="1"/>
+            <a:r>
+              <a:rPr lang="en-US" dirty="0"/>
+              <a:t>Python code builds </a:t>
+            </a:r>
+            <a:r>
+              <a:rPr lang="en-US" dirty="0" err="1"/>
+              <a:t>AnnData</a:t>
+            </a:r>
+            <a:r>
+              <a:rPr lang="en-US" dirty="0"/>
+              <a:t> object</a:t>
             </a:r>
           </a:p>
         </p:txBody>
@@ -16601,6 +16872,53 @@
           </a:p>
         </p:txBody>
       </p:sp>
+      <p:pic>
+        <p:nvPicPr>
+          <p:cNvPr id="5122" name="Picture 2" descr="Convert h5ad anndata to a Seurat single-cell R object">
+            <a:extLst>
+              <a:ext uri="{FF2B5EF4-FFF2-40B4-BE49-F238E27FC236}">
+                <a16:creationId xmlns:a16="http://schemas.microsoft.com/office/drawing/2014/main" id="{CF60A87F-2A9D-F2D9-BBCD-E974B5B6C70D}"/>
+              </a:ext>
+            </a:extLst>
+          </p:cNvPr>
+          <p:cNvPicPr>
+            <a:picLocks noChangeAspect="1" noChangeArrowheads="1"/>
+          </p:cNvPicPr>
+          <p:nvPr/>
+        </p:nvPicPr>
+        <p:blipFill>
+          <a:blip r:embed="rId3">
+            <a:extLst>
+              <a:ext uri="{28A0092B-C50C-407E-A947-70E740481C1C}">
+                <a14:useLocalDpi xmlns:a14="http://schemas.microsoft.com/office/drawing/2010/main" val="0"/>
+              </a:ext>
+            </a:extLst>
+          </a:blip>
+          <a:srcRect/>
+          <a:stretch>
+            <a:fillRect/>
+          </a:stretch>
+        </p:blipFill>
+        <p:spPr bwMode="auto">
+          <a:xfrm>
+            <a:off x="6659302" y="2129742"/>
+            <a:ext cx="4907664" cy="2760561"/>
+          </a:xfrm>
+          <a:prstGeom prst="rect">
+            <a:avLst/>
+          </a:prstGeom>
+          <a:noFill/>
+          <a:extLst>
+            <a:ext uri="{909E8E84-426E-40DD-AFC4-6F175D3DCCD1}">
+              <a14:hiddenFill xmlns:a14="http://schemas.microsoft.com/office/drawing/2010/main">
+                <a:solidFill>
+                  <a:srgbClr val="FFFFFF"/>
+                </a:solidFill>
+              </a14:hiddenFill>
+            </a:ext>
+          </a:extLst>
+        </p:spPr>
+      </p:pic>
     </p:spTree>
     <p:extLst>
       <p:ext uri="{BB962C8B-B14F-4D97-AF65-F5344CB8AC3E}">
@@ -16782,38 +17100,9 @@
           <a:lstStyle/>
           <a:p>
             <a:r>
-              <a:rPr lang="en-US" dirty="0"/>
+              <a:rPr lang="en-US"/>
               <a:t>Question 1 – Mapping Protein Expression to mRNA expression</a:t>
             </a:r>
-          </a:p>
-        </p:txBody>
-      </p:sp>
-      <p:sp>
-        <p:nvSpPr>
-          <p:cNvPr id="3" name="Content Placeholder 2">
-            <a:extLst>
-              <a:ext uri="{FF2B5EF4-FFF2-40B4-BE49-F238E27FC236}">
-                <a16:creationId xmlns:a16="http://schemas.microsoft.com/office/drawing/2014/main" id="{AB1ECABB-76C1-AA8E-7A90-191F36DEC5B1}"/>
-              </a:ext>
-            </a:extLst>
-          </p:cNvPr>
-          <p:cNvSpPr>
-            <a:spLocks noGrp="1"/>
-          </p:cNvSpPr>
-          <p:nvPr>
-            <p:ph sz="quarter" idx="13"/>
-          </p:nvPr>
-        </p:nvSpPr>
-        <p:spPr>
-          <a:xfrm>
-            <a:off x="1416050" y="1384300"/>
-            <a:ext cx="9937750" cy="4787900"/>
-          </a:xfrm>
-        </p:spPr>
-        <p:txBody>
-          <a:bodyPr/>
-          <a:lstStyle/>
-          <a:p>
             <a:endParaRPr lang="en-US" dirty="0"/>
           </a:p>
         </p:txBody>
@@ -16843,6 +17132,198 @@
           </a:p>
         </p:txBody>
       </p:sp>
+      <p:pic>
+        <p:nvPicPr>
+          <p:cNvPr id="1030" name="Picture 6">
+            <a:extLst>
+              <a:ext uri="{FF2B5EF4-FFF2-40B4-BE49-F238E27FC236}">
+                <a16:creationId xmlns:a16="http://schemas.microsoft.com/office/drawing/2014/main" id="{B3BC9C60-73BF-DFCC-AC2C-171274F5EB65}"/>
+              </a:ext>
+            </a:extLst>
+          </p:cNvPr>
+          <p:cNvPicPr>
+            <a:picLocks noChangeAspect="1" noChangeArrowheads="1"/>
+          </p:cNvPicPr>
+          <p:nvPr/>
+        </p:nvPicPr>
+        <p:blipFill>
+          <a:blip r:embed="rId3">
+            <a:extLst>
+              <a:ext uri="{28A0092B-C50C-407E-A947-70E740481C1C}">
+                <a14:useLocalDpi xmlns:a14="http://schemas.microsoft.com/office/drawing/2010/main" val="0"/>
+              </a:ext>
+            </a:extLst>
+          </a:blip>
+          <a:srcRect/>
+          <a:stretch>
+            <a:fillRect/>
+          </a:stretch>
+        </p:blipFill>
+        <p:spPr bwMode="auto">
+          <a:xfrm>
+            <a:off x="434291" y="2084925"/>
+            <a:ext cx="5185557" cy="3552624"/>
+          </a:xfrm>
+          <a:prstGeom prst="rect">
+            <a:avLst/>
+          </a:prstGeom>
+          <a:noFill/>
+          <a:extLst>
+            <a:ext uri="{909E8E84-426E-40DD-AFC4-6F175D3DCCD1}">
+              <a14:hiddenFill xmlns:a14="http://schemas.microsoft.com/office/drawing/2010/main">
+                <a:solidFill>
+                  <a:srgbClr val="FFFFFF"/>
+                </a:solidFill>
+              </a14:hiddenFill>
+            </a:ext>
+          </a:extLst>
+        </p:spPr>
+      </p:pic>
+      <p:pic>
+        <p:nvPicPr>
+          <p:cNvPr id="1032" name="Picture 8">
+            <a:extLst>
+              <a:ext uri="{FF2B5EF4-FFF2-40B4-BE49-F238E27FC236}">
+                <a16:creationId xmlns:a16="http://schemas.microsoft.com/office/drawing/2014/main" id="{0561A4F9-E08D-7FEE-0B5A-5F3B8A3217ED}"/>
+              </a:ext>
+            </a:extLst>
+          </p:cNvPr>
+          <p:cNvPicPr>
+            <a:picLocks noChangeAspect="1" noChangeArrowheads="1"/>
+          </p:cNvPicPr>
+          <p:nvPr/>
+        </p:nvPicPr>
+        <p:blipFill>
+          <a:blip r:embed="rId4">
+            <a:extLst>
+              <a:ext uri="{28A0092B-C50C-407E-A947-70E740481C1C}">
+                <a14:useLocalDpi xmlns:a14="http://schemas.microsoft.com/office/drawing/2010/main" val="0"/>
+              </a:ext>
+            </a:extLst>
+          </a:blip>
+          <a:srcRect/>
+          <a:stretch>
+            <a:fillRect/>
+          </a:stretch>
+        </p:blipFill>
+        <p:spPr bwMode="auto">
+          <a:xfrm>
+            <a:off x="5794375" y="2025568"/>
+            <a:ext cx="4715438" cy="3611981"/>
+          </a:xfrm>
+          <a:prstGeom prst="rect">
+            <a:avLst/>
+          </a:prstGeom>
+          <a:noFill/>
+          <a:extLst>
+            <a:ext uri="{909E8E84-426E-40DD-AFC4-6F175D3DCCD1}">
+              <a14:hiddenFill xmlns:a14="http://schemas.microsoft.com/office/drawing/2010/main">
+                <a:solidFill>
+                  <a:srgbClr val="FFFFFF"/>
+                </a:solidFill>
+              </a14:hiddenFill>
+            </a:ext>
+          </a:extLst>
+        </p:spPr>
+      </p:pic>
+      <p:sp>
+        <p:nvSpPr>
+          <p:cNvPr id="5" name="Rectangle 4">
+            <a:extLst>
+              <a:ext uri="{FF2B5EF4-FFF2-40B4-BE49-F238E27FC236}">
+                <a16:creationId xmlns:a16="http://schemas.microsoft.com/office/drawing/2014/main" id="{F105F459-4528-3378-FC56-E16479977E0D}"/>
+              </a:ext>
+            </a:extLst>
+          </p:cNvPr>
+          <p:cNvSpPr/>
+          <p:nvPr/>
+        </p:nvSpPr>
+        <p:spPr>
+          <a:xfrm>
+            <a:off x="6713316" y="1723144"/>
+            <a:ext cx="1875099" cy="302424"/>
+          </a:xfrm>
+          <a:prstGeom prst="rect">
+            <a:avLst/>
+          </a:prstGeom>
+        </p:spPr>
+        <p:style>
+          <a:lnRef idx="2">
+            <a:schemeClr val="accent1">
+              <a:shade val="15000"/>
+            </a:schemeClr>
+          </a:lnRef>
+          <a:fillRef idx="1">
+            <a:schemeClr val="accent1"/>
+          </a:fillRef>
+          <a:effectRef idx="0">
+            <a:schemeClr val="accent1"/>
+          </a:effectRef>
+          <a:fontRef idx="minor">
+            <a:schemeClr val="lt1"/>
+          </a:fontRef>
+        </p:style>
+        <p:txBody>
+          <a:bodyPr rtlCol="0" anchor="ctr"/>
+          <a:lstStyle/>
+          <a:p>
+            <a:pPr algn="ctr"/>
+            <a:r>
+              <a:rPr lang="en-US" dirty="0"/>
+              <a:t>TMAA_###_1</a:t>
+            </a:r>
+          </a:p>
+        </p:txBody>
+      </p:sp>
+      <p:sp>
+        <p:nvSpPr>
+          <p:cNvPr id="6" name="Rectangle 5">
+            <a:extLst>
+              <a:ext uri="{FF2B5EF4-FFF2-40B4-BE49-F238E27FC236}">
+                <a16:creationId xmlns:a16="http://schemas.microsoft.com/office/drawing/2014/main" id="{7674264E-3793-4CE0-CADC-BB5CFB4A023A}"/>
+              </a:ext>
+            </a:extLst>
+          </p:cNvPr>
+          <p:cNvSpPr/>
+          <p:nvPr/>
+        </p:nvSpPr>
+        <p:spPr>
+          <a:xfrm>
+            <a:off x="1379316" y="1722401"/>
+            <a:ext cx="1875099" cy="302424"/>
+          </a:xfrm>
+          <a:prstGeom prst="rect">
+            <a:avLst/>
+          </a:prstGeom>
+        </p:spPr>
+        <p:style>
+          <a:lnRef idx="2">
+            <a:schemeClr val="accent1">
+              <a:shade val="15000"/>
+            </a:schemeClr>
+          </a:lnRef>
+          <a:fillRef idx="1">
+            <a:schemeClr val="accent1"/>
+          </a:fillRef>
+          <a:effectRef idx="0">
+            <a:schemeClr val="accent1"/>
+          </a:effectRef>
+          <a:fontRef idx="minor">
+            <a:schemeClr val="lt1"/>
+          </a:fontRef>
+        </p:style>
+        <p:txBody>
+          <a:bodyPr rtlCol="0" anchor="ctr"/>
+          <a:lstStyle/>
+          <a:p>
+            <a:pPr algn="ctr"/>
+            <a:r>
+              <a:rPr lang="en-US" dirty="0"/>
+              <a:t>C_1_1_###</a:t>
+            </a:r>
+          </a:p>
+        </p:txBody>
+      </p:sp>
     </p:spTree>
     <p:extLst>
       <p:ext uri="{BB962C8B-B14F-4D97-AF65-F5344CB8AC3E}">
@@ -16857,6 +17338,312 @@
 </file>
 
 <file path=ppt/slides/slide7.xml><?xml version="1.0" encoding="utf-8"?>
+<p:sld xmlns:a="http://schemas.openxmlformats.org/drawingml/2006/main" xmlns:r="http://schemas.openxmlformats.org/officeDocument/2006/relationships" xmlns:p="http://schemas.openxmlformats.org/presentationml/2006/main">
+  <p:cSld>
+    <p:spTree>
+      <p:nvGrpSpPr>
+        <p:cNvPr id="1" name="">
+          <a:extLst>
+            <a:ext uri="{FF2B5EF4-FFF2-40B4-BE49-F238E27FC236}">
+              <a16:creationId xmlns:a16="http://schemas.microsoft.com/office/drawing/2014/main" id="{68A7797B-F375-DC99-3E28-F88181DD5114}"/>
+            </a:ext>
+          </a:extLst>
+        </p:cNvPr>
+        <p:cNvGrpSpPr/>
+        <p:nvPr/>
+      </p:nvGrpSpPr>
+      <p:grpSpPr>
+        <a:xfrm>
+          <a:off x="0" y="0"/>
+          <a:ext cx="0" cy="0"/>
+          <a:chOff x="0" y="0"/>
+          <a:chExt cx="0" cy="0"/>
+        </a:xfrm>
+      </p:grpSpPr>
+      <p:sp>
+        <p:nvSpPr>
+          <p:cNvPr id="4" name="Text Placeholder 3">
+            <a:extLst>
+              <a:ext uri="{FF2B5EF4-FFF2-40B4-BE49-F238E27FC236}">
+                <a16:creationId xmlns:a16="http://schemas.microsoft.com/office/drawing/2014/main" id="{CA472363-D792-DC54-086B-E40BD73E5006}"/>
+              </a:ext>
+            </a:extLst>
+          </p:cNvPr>
+          <p:cNvSpPr>
+            <a:spLocks noGrp="1"/>
+          </p:cNvSpPr>
+          <p:nvPr>
+            <p:ph type="body" sz="quarter" idx="14"/>
+          </p:nvPr>
+        </p:nvSpPr>
+        <p:spPr/>
+        <p:txBody>
+          <a:bodyPr/>
+          <a:lstStyle/>
+          <a:p>
+            <a:endParaRPr lang="en-US"/>
+          </a:p>
+        </p:txBody>
+      </p:sp>
+      <p:sp>
+        <p:nvSpPr>
+          <p:cNvPr id="5" name="Rectangle 4">
+            <a:extLst>
+              <a:ext uri="{FF2B5EF4-FFF2-40B4-BE49-F238E27FC236}">
+                <a16:creationId xmlns:a16="http://schemas.microsoft.com/office/drawing/2014/main" id="{1EE27237-9464-CD4B-F487-25EF8B915C7F}"/>
+              </a:ext>
+            </a:extLst>
+          </p:cNvPr>
+          <p:cNvSpPr/>
+          <p:nvPr/>
+        </p:nvSpPr>
+        <p:spPr>
+          <a:xfrm>
+            <a:off x="6713316" y="1723144"/>
+            <a:ext cx="1875099" cy="302424"/>
+          </a:xfrm>
+          <a:prstGeom prst="rect">
+            <a:avLst/>
+          </a:prstGeom>
+        </p:spPr>
+        <p:style>
+          <a:lnRef idx="2">
+            <a:schemeClr val="accent1">
+              <a:shade val="15000"/>
+            </a:schemeClr>
+          </a:lnRef>
+          <a:fillRef idx="1">
+            <a:schemeClr val="accent1"/>
+          </a:fillRef>
+          <a:effectRef idx="0">
+            <a:schemeClr val="accent1"/>
+          </a:effectRef>
+          <a:fontRef idx="minor">
+            <a:schemeClr val="lt1"/>
+          </a:fontRef>
+        </p:style>
+        <p:txBody>
+          <a:bodyPr rtlCol="0" anchor="ctr"/>
+          <a:lstStyle/>
+          <a:p>
+            <a:pPr algn="ctr"/>
+            <a:r>
+              <a:rPr lang="en-US" dirty="0"/>
+              <a:t>TMAA_###_4</a:t>
+            </a:r>
+          </a:p>
+        </p:txBody>
+      </p:sp>
+      <p:sp>
+        <p:nvSpPr>
+          <p:cNvPr id="6" name="Rectangle 5">
+            <a:extLst>
+              <a:ext uri="{FF2B5EF4-FFF2-40B4-BE49-F238E27FC236}">
+                <a16:creationId xmlns:a16="http://schemas.microsoft.com/office/drawing/2014/main" id="{58FDF218-54C2-58D9-63BB-D4D663A261A4}"/>
+              </a:ext>
+            </a:extLst>
+          </p:cNvPr>
+          <p:cNvSpPr/>
+          <p:nvPr/>
+        </p:nvSpPr>
+        <p:spPr>
+          <a:xfrm>
+            <a:off x="1379316" y="1722401"/>
+            <a:ext cx="1875099" cy="302424"/>
+          </a:xfrm>
+          <a:prstGeom prst="rect">
+            <a:avLst/>
+          </a:prstGeom>
+        </p:spPr>
+        <p:style>
+          <a:lnRef idx="2">
+            <a:schemeClr val="accent1">
+              <a:shade val="15000"/>
+            </a:schemeClr>
+          </a:lnRef>
+          <a:fillRef idx="1">
+            <a:schemeClr val="accent1"/>
+          </a:fillRef>
+          <a:effectRef idx="0">
+            <a:schemeClr val="accent1"/>
+          </a:effectRef>
+          <a:fontRef idx="minor">
+            <a:schemeClr val="lt1"/>
+          </a:fontRef>
+        </p:style>
+        <p:txBody>
+          <a:bodyPr rtlCol="0" anchor="ctr"/>
+          <a:lstStyle/>
+          <a:p>
+            <a:pPr algn="ctr"/>
+            <a:r>
+              <a:rPr lang="en-US" dirty="0"/>
+              <a:t>C_1_4_###</a:t>
+            </a:r>
+          </a:p>
+        </p:txBody>
+      </p:sp>
+      <p:sp>
+        <p:nvSpPr>
+          <p:cNvPr id="3" name="Title 2">
+            <a:extLst>
+              <a:ext uri="{FF2B5EF4-FFF2-40B4-BE49-F238E27FC236}">
+                <a16:creationId xmlns:a16="http://schemas.microsoft.com/office/drawing/2014/main" id="{8FBA4A39-8F65-778E-BFD1-0DBC0857494B}"/>
+              </a:ext>
+            </a:extLst>
+          </p:cNvPr>
+          <p:cNvSpPr>
+            <a:spLocks noGrp="1"/>
+          </p:cNvSpPr>
+          <p:nvPr>
+            <p:ph type="title"/>
+          </p:nvPr>
+        </p:nvSpPr>
+        <p:spPr/>
+        <p:txBody>
+          <a:bodyPr/>
+          <a:lstStyle/>
+          <a:p>
+            <a:endParaRPr lang="en-US" dirty="0"/>
+          </a:p>
+        </p:txBody>
+      </p:sp>
+      <p:pic>
+        <p:nvPicPr>
+          <p:cNvPr id="2060" name="Picture 12">
+            <a:extLst>
+              <a:ext uri="{FF2B5EF4-FFF2-40B4-BE49-F238E27FC236}">
+                <a16:creationId xmlns:a16="http://schemas.microsoft.com/office/drawing/2014/main" id="{AAF7EC0B-38B3-CBAF-87C5-FCC025EC0666}"/>
+              </a:ext>
+            </a:extLst>
+          </p:cNvPr>
+          <p:cNvPicPr>
+            <a:picLocks noChangeAspect="1" noChangeArrowheads="1"/>
+          </p:cNvPicPr>
+          <p:nvPr/>
+        </p:nvPicPr>
+        <p:blipFill>
+          <a:blip r:embed="rId3">
+            <a:extLst>
+              <a:ext uri="{28A0092B-C50C-407E-A947-70E740481C1C}">
+                <a14:useLocalDpi xmlns:a14="http://schemas.microsoft.com/office/drawing/2010/main" val="0"/>
+              </a:ext>
+            </a:extLst>
+          </a:blip>
+          <a:srcRect/>
+          <a:stretch>
+            <a:fillRect/>
+          </a:stretch>
+        </p:blipFill>
+        <p:spPr bwMode="auto">
+          <a:xfrm>
+            <a:off x="373341" y="2376140"/>
+            <a:ext cx="4893140" cy="3352289"/>
+          </a:xfrm>
+          <a:prstGeom prst="rect">
+            <a:avLst/>
+          </a:prstGeom>
+          <a:noFill/>
+          <a:extLst>
+            <a:ext uri="{909E8E84-426E-40DD-AFC4-6F175D3DCCD1}">
+              <a14:hiddenFill xmlns:a14="http://schemas.microsoft.com/office/drawing/2010/main">
+                <a:solidFill>
+                  <a:srgbClr val="FFFFFF"/>
+                </a:solidFill>
+              </a14:hiddenFill>
+            </a:ext>
+          </a:extLst>
+        </p:spPr>
+      </p:pic>
+      <p:sp>
+        <p:nvSpPr>
+          <p:cNvPr id="12" name="AutoShape 14">
+            <a:extLst>
+              <a:ext uri="{FF2B5EF4-FFF2-40B4-BE49-F238E27FC236}">
+                <a16:creationId xmlns:a16="http://schemas.microsoft.com/office/drawing/2014/main" id="{B47D2ABD-251D-227A-9A06-C56220AC2461}"/>
+              </a:ext>
+            </a:extLst>
+          </p:cNvPr>
+          <p:cNvSpPr>
+            <a:spLocks noChangeAspect="1" noChangeArrowheads="1"/>
+          </p:cNvSpPr>
+          <p:nvPr/>
+        </p:nvSpPr>
+        <p:spPr bwMode="auto">
+          <a:xfrm>
+            <a:off x="5943600" y="3276600"/>
+            <a:ext cx="304800" cy="304800"/>
+          </a:xfrm>
+          <a:prstGeom prst="rect">
+            <a:avLst/>
+          </a:prstGeom>
+          <a:noFill/>
+          <a:extLst>
+            <a:ext uri="{909E8E84-426E-40DD-AFC4-6F175D3DCCD1}">
+              <a14:hiddenFill xmlns:a14="http://schemas.microsoft.com/office/drawing/2010/main">
+                <a:solidFill>
+                  <a:srgbClr val="FFFFFF"/>
+                </a:solidFill>
+              </a14:hiddenFill>
+            </a:ext>
+          </a:extLst>
+        </p:spPr>
+        <p:txBody>
+          <a:bodyPr vert="horz" wrap="square" lIns="91440" tIns="45720" rIns="91440" bIns="45720" numCol="1" anchor="t" anchorCtr="0" compatLnSpc="1">
+            <a:prstTxWarp prst="textNoShape">
+              <a:avLst/>
+            </a:prstTxWarp>
+          </a:bodyPr>
+          <a:lstStyle/>
+          <a:p>
+            <a:endParaRPr lang="en-US"/>
+          </a:p>
+        </p:txBody>
+      </p:sp>
+      <p:pic>
+        <p:nvPicPr>
+          <p:cNvPr id="15" name="Picture 14">
+            <a:extLst>
+              <a:ext uri="{FF2B5EF4-FFF2-40B4-BE49-F238E27FC236}">
+                <a16:creationId xmlns:a16="http://schemas.microsoft.com/office/drawing/2014/main" id="{DFF92AC6-9454-079B-DBAB-E9423EC2D2E9}"/>
+              </a:ext>
+            </a:extLst>
+          </p:cNvPr>
+          <p:cNvPicPr>
+            <a:picLocks noChangeAspect="1"/>
+          </p:cNvPicPr>
+          <p:nvPr/>
+        </p:nvPicPr>
+        <p:blipFill>
+          <a:blip r:embed="rId4"/>
+          <a:stretch>
+            <a:fillRect/>
+          </a:stretch>
+        </p:blipFill>
+        <p:spPr>
+          <a:xfrm>
+            <a:off x="5870853" y="2376140"/>
+            <a:ext cx="4502243" cy="3352289"/>
+          </a:xfrm>
+          <a:prstGeom prst="rect">
+            <a:avLst/>
+          </a:prstGeom>
+        </p:spPr>
+      </p:pic>
+    </p:spTree>
+    <p:extLst>
+      <p:ext uri="{BB962C8B-B14F-4D97-AF65-F5344CB8AC3E}">
+        <p14:creationId xmlns:p14="http://schemas.microsoft.com/office/powerpoint/2010/main" val="3843850898"/>
+      </p:ext>
+    </p:extLst>
+  </p:cSld>
+  <p:clrMapOvr>
+    <a:masterClrMapping/>
+  </p:clrMapOvr>
+</p:sld>
+</file>
+
+<file path=ppt/slides/slide8.xml><?xml version="1.0" encoding="utf-8"?>
 <p:sld xmlns:a="http://schemas.openxmlformats.org/drawingml/2006/main" xmlns:r="http://schemas.openxmlformats.org/officeDocument/2006/relationships" xmlns:p="http://schemas.openxmlformats.org/presentationml/2006/main">
   <p:cSld>
     <p:spTree>
@@ -16902,7 +17689,7 @@
           <a:p>
             <a:r>
               <a:rPr lang="en-US" dirty="0"/>
-              <a:t>S</a:t>
+              <a:t>Possible Reason for mismatch</a:t>
             </a:r>
           </a:p>
         </p:txBody>
@@ -16923,12 +17710,54 @@
             <p:ph sz="quarter" idx="13"/>
           </p:nvPr>
         </p:nvSpPr>
-        <p:spPr/>
+        <p:spPr>
+          <a:xfrm>
+            <a:off x="1524000" y="1524000"/>
+            <a:ext cx="9829800" cy="3480953"/>
+          </a:xfrm>
+        </p:spPr>
         <p:txBody>
           <a:bodyPr/>
           <a:lstStyle/>
           <a:p>
-            <a:endParaRPr lang="en-US"/>
+            <a:r>
+              <a:rPr lang="en-US" dirty="0"/>
+              <a:t>Differing notation causing mismatch</a:t>
+            </a:r>
+          </a:p>
+          <a:p>
+            <a:r>
+              <a:rPr lang="en-US" dirty="0"/>
+              <a:t>Larger Z plane differential than expected</a:t>
+            </a:r>
+          </a:p>
+          <a:p>
+            <a:r>
+              <a:rPr lang="en-US" dirty="0"/>
+              <a:t>Issues loading data in the correct format </a:t>
+            </a:r>
+          </a:p>
+          <a:p>
+            <a:pPr lvl="1"/>
+            <a:r>
+              <a:rPr lang="en-US" dirty="0"/>
+              <a:t>Manual edits to the CSV columns could have caused changes</a:t>
+            </a:r>
+          </a:p>
+          <a:p>
+            <a:pPr marL="0" indent="0">
+              <a:buNone/>
+            </a:pPr>
+            <a:r>
+              <a:rPr lang="en-US" dirty="0"/>
+              <a:t>Implications</a:t>
+            </a:r>
+          </a:p>
+          <a:p>
+            <a:r>
+              <a:rPr lang="en-US" dirty="0"/>
+              <a:t>Need to be able to align dataset in order to map protein to RNA. Otherwise would need to find accurate mRNA markers to identify PMNs.</a:t>
+            </a:r>
           </a:p>
         </p:txBody>
       </p:sp>
@@ -16957,6 +17786,51 @@
           </a:p>
         </p:txBody>
       </p:sp>
+      <p:sp>
+        <p:nvSpPr>
+          <p:cNvPr id="2" name="AutoShape 2">
+            <a:extLst>
+              <a:ext uri="{FF2B5EF4-FFF2-40B4-BE49-F238E27FC236}">
+                <a16:creationId xmlns:a16="http://schemas.microsoft.com/office/drawing/2014/main" id="{CEED1F96-C822-41A7-DAC0-D00561390F71}"/>
+              </a:ext>
+            </a:extLst>
+          </p:cNvPr>
+          <p:cNvSpPr>
+            <a:spLocks noChangeAspect="1" noChangeArrowheads="1"/>
+          </p:cNvSpPr>
+          <p:nvPr/>
+        </p:nvSpPr>
+        <p:spPr bwMode="auto">
+          <a:xfrm>
+            <a:off x="5943600" y="3276600"/>
+            <a:ext cx="304800" cy="304800"/>
+          </a:xfrm>
+          <a:prstGeom prst="rect">
+            <a:avLst/>
+          </a:prstGeom>
+          <a:noFill/>
+          <a:extLst>
+            <a:ext uri="{909E8E84-426E-40DD-AFC4-6F175D3DCCD1}">
+              <a14:hiddenFill xmlns:a14="http://schemas.microsoft.com/office/drawing/2010/main">
+                <a:solidFill>
+                  <a:srgbClr val="FFFFFF"/>
+                </a:solidFill>
+              </a14:hiddenFill>
+            </a:ext>
+          </a:extLst>
+        </p:spPr>
+        <p:txBody>
+          <a:bodyPr vert="horz" wrap="square" lIns="91440" tIns="45720" rIns="91440" bIns="45720" numCol="1" anchor="t" anchorCtr="0" compatLnSpc="1">
+            <a:prstTxWarp prst="textNoShape">
+              <a:avLst/>
+            </a:prstTxWarp>
+          </a:bodyPr>
+          <a:lstStyle/>
+          <a:p>
+            <a:endParaRPr lang="en-US"/>
+          </a:p>
+        </p:txBody>
+      </p:sp>
     </p:spTree>
     <p:extLst>
       <p:ext uri="{BB962C8B-B14F-4D97-AF65-F5344CB8AC3E}">
@@ -16970,7 +17844,7 @@
 </p:sld>
 </file>
 
-<file path=ppt/slides/slide8.xml><?xml version="1.0" encoding="utf-8"?>
+<file path=ppt/slides/slide9.xml><?xml version="1.0" encoding="utf-8"?>
 <p:sld xmlns:a="http://schemas.openxmlformats.org/drawingml/2006/main" xmlns:r="http://schemas.openxmlformats.org/officeDocument/2006/relationships" xmlns:p="http://schemas.openxmlformats.org/presentationml/2006/main">
   <p:cSld>
     <p:spTree>
@@ -17015,37 +17889,48 @@
           <a:lstStyle/>
           <a:p>
             <a:r>
+              <a:rPr lang="en-US" dirty="0" err="1"/>
+              <a:t>SquidPy</a:t>
+            </a:r>
+            <a:r>
               <a:rPr lang="en-US" dirty="0"/>
-              <a:t>S</a:t>
+              <a:t> Plotting Cell Clustering </a:t>
             </a:r>
           </a:p>
         </p:txBody>
       </p:sp>
-      <p:sp>
-        <p:nvSpPr>
-          <p:cNvPr id="3" name="Content Placeholder 2">
+      <p:pic>
+        <p:nvPicPr>
+          <p:cNvPr id="2" name="Content Placeholder 1">
             <a:extLst>
               <a:ext uri="{FF2B5EF4-FFF2-40B4-BE49-F238E27FC236}">
-                <a16:creationId xmlns:a16="http://schemas.microsoft.com/office/drawing/2014/main" id="{6283C73F-BAD9-4586-6CFA-9DEDA5C5BF51}"/>
+                <a16:creationId xmlns:a16="http://schemas.microsoft.com/office/drawing/2014/main" id="{3E2707D6-7BB9-6E92-7E68-290CC0D14290}"/>
               </a:ext>
             </a:extLst>
           </p:cNvPr>
-          <p:cNvSpPr>
-            <a:spLocks noGrp="1"/>
-          </p:cNvSpPr>
+          <p:cNvPicPr>
+            <a:picLocks noGrp="1" noChangeAspect="1"/>
+          </p:cNvPicPr>
           <p:nvPr>
             <p:ph sz="quarter" idx="13"/>
           </p:nvPr>
-        </p:nvSpPr>
-        <p:spPr/>
-        <p:txBody>
-          <a:bodyPr/>
-          <a:lstStyle/>
-          <a:p>
-            <a:endParaRPr lang="en-US"/>
-          </a:p>
-        </p:txBody>
-      </p:sp>
+        </p:nvPicPr>
+        <p:blipFill>
+          <a:blip r:embed="rId3"/>
+          <a:stretch>
+            <a:fillRect/>
+          </a:stretch>
+        </p:blipFill>
+        <p:spPr>
+          <a:xfrm>
+            <a:off x="847948" y="2090258"/>
+            <a:ext cx="5621356" cy="4065608"/>
+          </a:xfrm>
+          <a:prstGeom prst="rect">
+            <a:avLst/>
+          </a:prstGeom>
+        </p:spPr>
+      </p:pic>
       <p:sp>
         <p:nvSpPr>
           <p:cNvPr id="4" name="Text Placeholder 3">
@@ -17071,124 +17956,154 @@
           </a:p>
         </p:txBody>
       </p:sp>
-    </p:spTree>
-    <p:extLst>
-      <p:ext uri="{BB962C8B-B14F-4D97-AF65-F5344CB8AC3E}">
-        <p14:creationId xmlns:p14="http://schemas.microsoft.com/office/powerpoint/2010/main" val="1061972597"/>
-      </p:ext>
-    </p:extLst>
-  </p:cSld>
-  <p:clrMapOvr>
-    <a:masterClrMapping/>
-  </p:clrMapOvr>
-</p:sld>
-</file>
-
-<file path=ppt/slides/slide9.xml><?xml version="1.0" encoding="utf-8"?>
-<p:sld xmlns:a="http://schemas.openxmlformats.org/drawingml/2006/main" xmlns:r="http://schemas.openxmlformats.org/officeDocument/2006/relationships" xmlns:p="http://schemas.openxmlformats.org/presentationml/2006/main">
-  <p:cSld>
-    <p:spTree>
-      <p:nvGrpSpPr>
-        <p:cNvPr id="1" name="">
-          <a:extLst>
-            <a:ext uri="{FF2B5EF4-FFF2-40B4-BE49-F238E27FC236}">
-              <a16:creationId xmlns:a16="http://schemas.microsoft.com/office/drawing/2014/main" id="{F5736231-D49F-0FEC-82A9-FA6B759B143A}"/>
-            </a:ext>
-          </a:extLst>
-        </p:cNvPr>
-        <p:cNvGrpSpPr/>
-        <p:nvPr/>
-      </p:nvGrpSpPr>
-      <p:grpSpPr>
-        <a:xfrm>
-          <a:off x="0" y="0"/>
-          <a:ext cx="0" cy="0"/>
-          <a:chOff x="0" y="0"/>
-          <a:chExt cx="0" cy="0"/>
-        </a:xfrm>
-      </p:grpSpPr>
       <p:sp>
         <p:nvSpPr>
-          <p:cNvPr id="7" name="Title 6">
+          <p:cNvPr id="5" name="Rectangle 4">
             <a:extLst>
               <a:ext uri="{FF2B5EF4-FFF2-40B4-BE49-F238E27FC236}">
-                <a16:creationId xmlns:a16="http://schemas.microsoft.com/office/drawing/2014/main" id="{05914314-FAA0-486D-5F43-8F5E8356B8B5}"/>
+                <a16:creationId xmlns:a16="http://schemas.microsoft.com/office/drawing/2014/main" id="{0977B5F7-B858-D257-97B1-176C2E5470B0}"/>
               </a:ext>
             </a:extLst>
           </p:cNvPr>
-          <p:cNvSpPr>
-            <a:spLocks noGrp="1"/>
-          </p:cNvSpPr>
-          <p:nvPr>
-            <p:ph type="title"/>
-          </p:nvPr>
+          <p:cNvSpPr/>
+          <p:nvPr/>
         </p:nvSpPr>
-        <p:spPr/>
+        <p:spPr>
+          <a:xfrm>
+            <a:off x="2932658" y="1597388"/>
+            <a:ext cx="1875099" cy="302424"/>
+          </a:xfrm>
+          <a:prstGeom prst="rect">
+            <a:avLst/>
+          </a:prstGeom>
+        </p:spPr>
+        <p:style>
+          <a:lnRef idx="2">
+            <a:schemeClr val="accent1">
+              <a:shade val="15000"/>
+            </a:schemeClr>
+          </a:lnRef>
+          <a:fillRef idx="1">
+            <a:schemeClr val="accent1"/>
+          </a:fillRef>
+          <a:effectRef idx="0">
+            <a:schemeClr val="accent1"/>
+          </a:effectRef>
+          <a:fontRef idx="minor">
+            <a:schemeClr val="lt1"/>
+          </a:fontRef>
+        </p:style>
         <p:txBody>
-          <a:bodyPr/>
+          <a:bodyPr rtlCol="0" anchor="ctr"/>
           <a:lstStyle/>
           <a:p>
+            <a:pPr algn="ctr"/>
             <a:r>
               <a:rPr lang="en-US" dirty="0"/>
-              <a:t>S</a:t>
+              <a:t>C_1_4_###</a:t>
             </a:r>
           </a:p>
         </p:txBody>
       </p:sp>
       <p:sp>
         <p:nvSpPr>
-          <p:cNvPr id="3" name="Content Placeholder 2">
+          <p:cNvPr id="6" name="TextBox 5">
             <a:extLst>
               <a:ext uri="{FF2B5EF4-FFF2-40B4-BE49-F238E27FC236}">
-                <a16:creationId xmlns:a16="http://schemas.microsoft.com/office/drawing/2014/main" id="{ACBE51C5-711E-C3F3-6B7E-0F6C5E483D92}"/>
+                <a16:creationId xmlns:a16="http://schemas.microsoft.com/office/drawing/2014/main" id="{B1970450-F452-2A72-30EA-A41F930E96CD}"/>
               </a:ext>
             </a:extLst>
           </p:cNvPr>
-          <p:cNvSpPr>
-            <a:spLocks noGrp="1"/>
-          </p:cNvSpPr>
-          <p:nvPr>
-            <p:ph sz="quarter" idx="13"/>
-          </p:nvPr>
+          <p:cNvSpPr txBox="1"/>
+          <p:nvPr/>
         </p:nvSpPr>
-        <p:spPr/>
+        <p:spPr>
+          <a:xfrm>
+            <a:off x="6782765" y="1597388"/>
+            <a:ext cx="4571035" cy="3416320"/>
+          </a:xfrm>
+          <a:prstGeom prst="rect">
+            <a:avLst/>
+          </a:prstGeom>
+          <a:noFill/>
+        </p:spPr>
         <p:txBody>
-          <a:bodyPr/>
+          <a:bodyPr wrap="square" rtlCol="0">
+            <a:spAutoFit/>
+          </a:bodyPr>
           <a:lstStyle/>
           <a:p>
-            <a:endParaRPr lang="en-US"/>
-          </a:p>
-        </p:txBody>
-      </p:sp>
-      <p:sp>
-        <p:nvSpPr>
-          <p:cNvPr id="4" name="Text Placeholder 3">
-            <a:extLst>
-              <a:ext uri="{FF2B5EF4-FFF2-40B4-BE49-F238E27FC236}">
-                <a16:creationId xmlns:a16="http://schemas.microsoft.com/office/drawing/2014/main" id="{B525FCAC-D80B-3E8D-5885-BB0628C8D645}"/>
-              </a:ext>
-            </a:extLst>
-          </p:cNvPr>
-          <p:cNvSpPr>
-            <a:spLocks noGrp="1"/>
-          </p:cNvSpPr>
-          <p:nvPr>
-            <p:ph type="body" sz="quarter" idx="14"/>
-          </p:nvPr>
-        </p:nvSpPr>
-        <p:spPr/>
-        <p:txBody>
-          <a:bodyPr/>
-          <a:lstStyle/>
-          <a:p>
-            <a:endParaRPr lang="en-US"/>
+            <a:r>
+              <a:rPr lang="en-US" dirty="0"/>
+              <a:t>Shows which cells like to clusters which with other cells</a:t>
+            </a:r>
+          </a:p>
+          <a:p>
+            <a:pPr marL="285750" indent="-285750">
+              <a:buFont typeface="Arial" panose="020B0604020202020204" pitchFamily="34" charset="0"/>
+              <a:buChar char="•"/>
+            </a:pPr>
+            <a:r>
+              <a:rPr lang="en-US" dirty="0"/>
+              <a:t>Most cells favor their own type</a:t>
+            </a:r>
+          </a:p>
+          <a:p>
+            <a:pPr marL="285750" indent="-285750">
+              <a:buFont typeface="Arial" panose="020B0604020202020204" pitchFamily="34" charset="0"/>
+              <a:buChar char="•"/>
+            </a:pPr>
+            <a:r>
+              <a:rPr lang="en-US" dirty="0"/>
+              <a:t>Did not notice much by the naked eye.</a:t>
+            </a:r>
+          </a:p>
+          <a:p>
+            <a:pPr marL="285750" indent="-285750">
+              <a:buFont typeface="Arial" panose="020B0604020202020204" pitchFamily="34" charset="0"/>
+              <a:buChar char="•"/>
+            </a:pPr>
+            <a:r>
+              <a:rPr lang="en-US" dirty="0"/>
+              <a:t>Still have bugs to fix, code only runs on about 1/3 of samples due to matrix errors. </a:t>
+            </a:r>
+          </a:p>
+          <a:p>
+            <a:pPr marL="285750" indent="-285750">
+              <a:buFont typeface="Arial" panose="020B0604020202020204" pitchFamily="34" charset="0"/>
+              <a:buChar char="•"/>
+            </a:pPr>
+            <a:endParaRPr lang="en-US" dirty="0"/>
+          </a:p>
+          <a:p>
+            <a:pPr marL="285750" indent="-285750">
+              <a:buFont typeface="Arial" panose="020B0604020202020204" pitchFamily="34" charset="0"/>
+              <a:buChar char="•"/>
+            </a:pPr>
+            <a:endParaRPr lang="en-US" dirty="0"/>
+          </a:p>
+          <a:p>
+            <a:r>
+              <a:rPr lang="en-US" dirty="0"/>
+              <a:t>Future Directions</a:t>
+            </a:r>
+          </a:p>
+          <a:p>
+            <a:pPr marL="285750" indent="-285750">
+              <a:buFont typeface="Arial" panose="020B0604020202020204" pitchFamily="34" charset="0"/>
+              <a:buChar char="•"/>
+            </a:pPr>
+            <a:r>
+              <a:rPr lang="en-US" dirty="0"/>
+              <a:t>Get numbers for all types and determine whether PMN spatial interaction with CD4 and CD8 cell are significant</a:t>
+            </a:r>
           </a:p>
         </p:txBody>
       </p:sp>
     </p:spTree>
     <p:extLst>
       <p:ext uri="{BB962C8B-B14F-4D97-AF65-F5344CB8AC3E}">
-        <p14:creationId xmlns:p14="http://schemas.microsoft.com/office/powerpoint/2010/main" val="1540447724"/>
+        <p14:creationId xmlns:p14="http://schemas.microsoft.com/office/powerpoint/2010/main" val="1061972597"/>
       </p:ext>
     </p:extLst>
   </p:cSld>

--- a/Shapiro 2025 Project/Weekly Updates/Week 1 Update.pptx
+++ b/Shapiro 2025 Project/Weekly Updates/Week 1 Update.pptx
@@ -13747,17 +13747,8 @@
           <a:p>
             <a:r>
               <a:rPr lang="en-US" dirty="0"/>
-              <a:t>mRNA Expression Cell </a:t>
+              <a:t>mRNA Expression Cell identification </a:t>
             </a:r>
-            <a:r>
-              <a:rPr lang="en-US" dirty="0" err="1"/>
-              <a:t>identifcation</a:t>
-            </a:r>
-            <a:r>
-              <a:rPr lang="en-US"/>
-              <a:t> </a:t>
-            </a:r>
-            <a:endParaRPr lang="en-US" dirty="0"/>
           </a:p>
         </p:txBody>
       </p:sp>
@@ -13782,7 +13773,7 @@
           <a:bodyPr/>
           <a:lstStyle/>
           <a:p>
-            <a:endParaRPr lang="en-US"/>
+            <a:endParaRPr lang="en-US" dirty="0"/>
           </a:p>
         </p:txBody>
       </p:sp>
